--- a/training-cards/agile moves/Ideas (IDE)/ger/apprentice/ger_IDE_04_Idea_Snake_AM_A.pptx
+++ b/training-cards/agile moves/Ideas (IDE)/ger/apprentice/ger_IDE_04_Idea_Snake_AM_A.pptx
@@ -1104,7 +1104,7 @@
                 <a:latin typeface="Avenir Light"/>
                 <a:cs typeface="Avenir Light"/>
               </a:rPr>
-              <a:t>09.11.15</a:t>
+              <a:t>16.11.15</a:t>
             </a:fld>
             <a:endParaRPr lang="de-DE" sz="600" dirty="0">
               <a:solidFill>
@@ -1768,7 +1768,7 @@
                 <a:latin typeface="Avenir Light"/>
                 <a:cs typeface="Avenir Light"/>
               </a:rPr>
-              <a:t>09.11.15</a:t>
+              <a:t>16.11.15</a:t>
             </a:fld>
             <a:endParaRPr lang="de-DE" sz="600" dirty="0">
               <a:solidFill>
@@ -2497,7 +2497,7 @@
                 <a:latin typeface="Avenir Light"/>
                 <a:cs typeface="Avenir Light"/>
               </a:rPr>
-              <a:t>09.11.15</a:t>
+              <a:t>16.11.15</a:t>
             </a:fld>
             <a:endParaRPr lang="de-DE" sz="600" dirty="0">
               <a:solidFill>
@@ -3910,18 +3910,18 @@
               <a:t>Ein kontinuierlicher </a:t>
             </a:r>
             <a:r>
-              <a:rPr lang="de-DE" sz="1200" dirty="0" err="1">
+              <a:rPr lang="de-DE" sz="1200" dirty="0" smtClean="0">
                 <a:latin typeface="Avenir Light"/>
                 <a:cs typeface="Avenir Light"/>
               </a:rPr>
-              <a:t>Ideenfluß</a:t>
+              <a:t>Ideenfluss </a:t>
             </a:r>
             <a:r>
               <a:rPr lang="de-DE" sz="1200" dirty="0">
                 <a:latin typeface="Avenir Light"/>
                 <a:cs typeface="Avenir Light"/>
               </a:rPr>
-              <a:t> ist für alle im Team eine ständige Quelle der </a:t>
+              <a:t>ist für alle im Team eine ständige Quelle der </a:t>
             </a:r>
             <a:r>
               <a:rPr lang="de-DE" sz="1200" dirty="0" smtClean="0">

--- a/training-cards/agile moves/Ideas (IDE)/ger/apprentice/ger_IDE_04_Idea_Snake_AM_A.pptx
+++ b/training-cards/agile moves/Ideas (IDE)/ger/apprentice/ger_IDE_04_Idea_Snake_AM_A.pptx
@@ -1104,7 +1104,7 @@
                 <a:latin typeface="Avenir Light"/>
                 <a:cs typeface="Avenir Light"/>
               </a:rPr>
-              <a:t>16.11.15</a:t>
+              <a:t>21.11.15</a:t>
             </a:fld>
             <a:endParaRPr lang="de-DE" sz="600" dirty="0">
               <a:solidFill>
@@ -1768,7 +1768,7 @@
                 <a:latin typeface="Avenir Light"/>
                 <a:cs typeface="Avenir Light"/>
               </a:rPr>
-              <a:t>16.11.15</a:t>
+              <a:t>21.11.15</a:t>
             </a:fld>
             <a:endParaRPr lang="de-DE" sz="600" dirty="0">
               <a:solidFill>
@@ -2497,7 +2497,7 @@
                 <a:latin typeface="Avenir Light"/>
                 <a:cs typeface="Avenir Light"/>
               </a:rPr>
-              <a:t>16.11.15</a:t>
+              <a:t>21.11.15</a:t>
             </a:fld>
             <a:endParaRPr lang="de-DE" sz="600" dirty="0">
               <a:solidFill>
@@ -4168,6 +4168,14 @@
           </a:bodyPr>
           <a:lstStyle/>
           <a:p>
+            <a:pPr>
+              <a:lnSpc>
+                <a:spcPts val="1500"/>
+              </a:lnSpc>
+              <a:spcBef>
+                <a:spcPts val="800"/>
+              </a:spcBef>
+            </a:pPr>
             <a:r>
               <a:rPr lang="de-DE" sz="1100" dirty="0"/>
               <a:t>Jedes Mal, wenn ein </a:t>
@@ -4198,6 +4206,14 @@
             </a:r>
           </a:p>
           <a:p>
+            <a:pPr>
+              <a:lnSpc>
+                <a:spcPts val="1500"/>
+              </a:lnSpc>
+              <a:spcBef>
+                <a:spcPts val="800"/>
+              </a:spcBef>
+            </a:pPr>
             <a:r>
               <a:rPr lang="de-DE" sz="1100" dirty="0" smtClean="0"/>
               <a:t>Zettel </a:t>
@@ -4208,12 +4224,28 @@
             </a:r>
           </a:p>
           <a:p>
+            <a:pPr>
+              <a:lnSpc>
+                <a:spcPts val="1500"/>
+              </a:lnSpc>
+              <a:spcBef>
+                <a:spcPts val="800"/>
+              </a:spcBef>
+            </a:pPr>
             <a:r>
               <a:rPr lang="de-DE" sz="1100" dirty="0"/>
               <a:t>Nur der Zettelschreiber hat das Recht, seinen Zettel zu verändern oder abzunehmen.</a:t>
             </a:r>
           </a:p>
           <a:p>
+            <a:pPr>
+              <a:lnSpc>
+                <a:spcPts val="1500"/>
+              </a:lnSpc>
+              <a:spcBef>
+                <a:spcPts val="800"/>
+              </a:spcBef>
+            </a:pPr>
             <a:r>
               <a:rPr lang="de-DE" sz="1100" dirty="0"/>
               <a:t>Jeder weitere Zettel mit </a:t>
@@ -4236,6 +4268,14 @@
             </a:r>
           </a:p>
           <a:p>
+            <a:pPr>
+              <a:lnSpc>
+                <a:spcPts val="1500"/>
+              </a:lnSpc>
+              <a:spcBef>
+                <a:spcPts val="800"/>
+              </a:spcBef>
+            </a:pPr>
             <a:r>
               <a:rPr lang="de-DE" sz="1100" dirty="0" smtClean="0"/>
               <a:t>Am Ende einer vereinbarten Periode (eines Meetings, eines Tages, einer Woche einer Seminareinheit etc.) werden alle </a:t>
@@ -4246,24 +4286,58 @@
             </a:r>
           </a:p>
           <a:p>
-            <a:r>
-              <a:rPr lang="de-DE" sz="1100" i="1" dirty="0">
-                <a:solidFill>
-                  <a:srgbClr val="FF0000"/>
-                </a:solidFill>
-              </a:rPr>
-              <a:t>Fehlt noch: Was passiert dann mit den Zetteln</a:t>
-            </a:r>
-            <a:r>
-              <a:rPr lang="de-DE" sz="1100" i="1" dirty="0" smtClean="0">
-                <a:solidFill>
-                  <a:srgbClr val="FF0000"/>
-                </a:solidFill>
-              </a:rPr>
-              <a:t>?</a:t>
-            </a:r>
-          </a:p>
-          <a:p>
+            <a:pPr>
+              <a:lnSpc>
+                <a:spcPts val="1500"/>
+              </a:lnSpc>
+              <a:spcBef>
+                <a:spcPts val="800"/>
+              </a:spcBef>
+            </a:pPr>
+            <a:r>
+              <a:rPr lang="de-DE" sz="1100" dirty="0" smtClean="0"/>
+              <a:t>Entscheidet selbst, was mit </a:t>
+            </a:r>
+            <a:r>
+              <a:rPr lang="de-DE" sz="1100" dirty="0" smtClean="0"/>
+              <a:t>den Ideen in Eurem Team geschieht. Ein sehr </a:t>
+            </a:r>
+            <a:br>
+              <a:rPr lang="de-DE" sz="1100" dirty="0" smtClean="0"/>
+            </a:br>
+            <a:r>
+              <a:rPr lang="de-DE" sz="1100" dirty="0" smtClean="0"/>
+              <a:t>guter nächster Schritt ist, </a:t>
+            </a:r>
+            <a:r>
+              <a:rPr lang="de-DE" sz="1100" dirty="0" smtClean="0"/>
+              <a:t>die Ideen mit Anregungen und Kommentaren in </a:t>
+            </a:r>
+            <a:br>
+              <a:rPr lang="de-DE" sz="1100" dirty="0" smtClean="0"/>
+            </a:br>
+            <a:r>
+              <a:rPr lang="de-DE" sz="1100" dirty="0" smtClean="0"/>
+              <a:t>ein Ideen </a:t>
+            </a:r>
+            <a:r>
+              <a:rPr lang="de-DE" sz="1100" dirty="0" err="1" smtClean="0"/>
+              <a:t>Backlog</a:t>
+            </a:r>
+            <a:r>
+              <a:rPr lang="de-DE" sz="1100" dirty="0" smtClean="0"/>
+              <a:t> zu übertragen (siehe IDE 05).</a:t>
+            </a:r>
+          </a:p>
+          <a:p>
+            <a:pPr>
+              <a:lnSpc>
+                <a:spcPts val="1500"/>
+              </a:lnSpc>
+              <a:spcBef>
+                <a:spcPts val="800"/>
+              </a:spcBef>
+            </a:pPr>
             <a:r>
               <a:rPr lang="de-DE" sz="1100" dirty="0" smtClean="0"/>
               <a:t>Danach </a:t>
